--- a/Stefanini/Stefanini.Clientes/Stefanini.Cliente.Experian/Artefactos Inception - Pliego Horizontal.pptx
+++ b/Stefanini/Stefanini.Clientes/Stefanini.Cliente.Experian/Artefactos Inception - Pliego Horizontal.pptx
@@ -3636,6 +3636,13 @@
   <p:clrMapOvr>
     <a:masterClrMapping/>
   </p:clrMapOvr>
+  <p:timing>
+    <p:tnLst>
+      <p:par>
+        <p:cTn id="1" dur="indefinite" restart="never" nodeType="tmRoot"/>
+      </p:par>
+    </p:tnLst>
+  </p:timing>
 </p:sld>
 </file>
 
@@ -4800,6 +4807,13 @@
   <p:clrMapOvr>
     <a:masterClrMapping/>
   </p:clrMapOvr>
+  <p:timing>
+    <p:tnLst>
+      <p:par>
+        <p:cTn id="1" dur="indefinite" restart="never" nodeType="tmRoot"/>
+      </p:par>
+    </p:tnLst>
+  </p:timing>
 </p:sld>
 </file>
 
@@ -5268,6 +5282,13 @@
   <p:clrMapOvr>
     <a:masterClrMapping/>
   </p:clrMapOvr>
+  <p:timing>
+    <p:tnLst>
+      <p:par>
+        <p:cTn id="1" dur="indefinite" restart="never" nodeType="tmRoot"/>
+      </p:par>
+    </p:tnLst>
+  </p:timing>
 </p:sld>
 </file>
 
@@ -5777,12 +5798,12 @@
           <a:p>
             <a:pPr algn="ctr"/>
             <a:r>
-              <a:rPr lang="es-ES" sz="6000" dirty="0" err="1">
+              <a:rPr lang="es-ES" sz="6000" dirty="0" smtClean="0">
                 <a:solidFill>
                   <a:srgbClr val="A30D78"/>
                 </a:solidFill>
               </a:rPr>
-              <a:t>Tasks</a:t>
+              <a:t>HU</a:t>
             </a:r>
             <a:endParaRPr lang="es-CO" sz="6000" dirty="0">
               <a:solidFill>
@@ -5898,6 +5919,13 @@
   <p:clrMapOvr>
     <a:masterClrMapping/>
   </p:clrMapOvr>
+  <p:timing>
+    <p:tnLst>
+      <p:par>
+        <p:cTn id="1" dur="indefinite" restart="never" nodeType="tmRoot"/>
+      </p:par>
+    </p:tnLst>
+  </p:timing>
 </p:sld>
 </file>
 
@@ -6447,6 +6475,13 @@
   <p:clrMapOvr>
     <a:masterClrMapping/>
   </p:clrMapOvr>
+  <p:timing>
+    <p:tnLst>
+      <p:par>
+        <p:cTn id="1" dur="indefinite" restart="never" nodeType="tmRoot"/>
+      </p:par>
+    </p:tnLst>
+  </p:timing>
 </p:sld>
 </file>
 
@@ -6963,6 +6998,13 @@
   <p:clrMapOvr>
     <a:masterClrMapping/>
   </p:clrMapOvr>
+  <p:timing>
+    <p:tnLst>
+      <p:par>
+        <p:cTn id="1" dur="indefinite" restart="never" nodeType="tmRoot"/>
+      </p:par>
+    </p:tnLst>
+  </p:timing>
 </p:sld>
 </file>
 
